--- a/eTeam需求文档1.pptx
+++ b/eTeam需求文档1.pptx
@@ -4607,8 +4607,8 @@
         </p:nvSpPr>
         <p:spPr>
           <a:xfrm>
-            <a:off x="2303145" y="1120140"/>
-            <a:ext cx="2313940" cy="368300"/>
+            <a:off x="2085975" y="1111250"/>
+            <a:ext cx="2549525" cy="368300"/>
           </a:xfrm>
           <a:prstGeom prst="rect">
             <a:avLst/>
@@ -4623,15 +4623,11 @@
             <a:pPr algn="ctr"/>
             <a:r>
               <a:rPr lang="zh-CN" altLang="en-US"/>
-              <a:t>考试时间：</a:t>
+              <a:t>开始时间：</a:t>
             </a:r>
             <a:r>
               <a:rPr lang="en-US" altLang="zh-CN"/>
-              <a:t>2020</a:t>
-            </a:r>
-            <a:r>
-              <a:rPr lang="zh-CN" altLang="en-US"/>
-              <a:t>年</a:t>
+              <a:t>2020-10-10</a:t>
             </a:r>
             <a:endParaRPr lang="zh-CN" altLang="en-US"/>
           </a:p>
@@ -4646,7 +4642,7 @@
         <p:spPr>
           <a:xfrm>
             <a:off x="6095365" y="349250"/>
-            <a:ext cx="2313940" cy="953135"/>
+            <a:ext cx="2313940" cy="1383665"/>
           </a:xfrm>
           <a:prstGeom prst="rect">
             <a:avLst/>
@@ -4673,7 +4669,7 @@
             </a:r>
             <a:r>
               <a:rPr lang="zh-CN" altLang="en-US" sz="1400"/>
-              <a:t>所需海报不同</a:t>
+              <a:t>所需封面不同</a:t>
             </a:r>
             <a:endParaRPr lang="zh-CN" altLang="en-US" sz="1400"/>
           </a:p>
@@ -4701,18 +4697,30 @@
             </a:r>
             <a:endParaRPr lang="zh-CN" altLang="en-US" sz="1400"/>
           </a:p>
-        </p:txBody>
-      </p:sp>
-      <p:sp>
-        <p:nvSpPr>
-          <p:cNvPr id="12" name="文本框 11"/>
+          <a:p>
+            <a:pPr algn="l"/>
+            <a:r>
+              <a:rPr lang="en-US" altLang="zh-CN" sz="1400"/>
+              <a:t>4.</a:t>
+            </a:r>
+            <a:r>
+              <a:rPr lang="zh-CN" altLang="en-US" sz="1400"/>
+              <a:t>地点（考试地点，酒店地点，会议地点）</a:t>
+            </a:r>
+            <a:endParaRPr lang="zh-CN" altLang="en-US" sz="1400"/>
+          </a:p>
+        </p:txBody>
+      </p:sp>
+      <p:sp>
+        <p:nvSpPr>
+          <p:cNvPr id="2" name="文本框 1"/>
           <p:cNvSpPr txBox="1"/>
           <p:nvPr/>
         </p:nvSpPr>
         <p:spPr>
           <a:xfrm>
-            <a:off x="5959475" y="3632835"/>
-            <a:ext cx="2313940" cy="368300"/>
+            <a:off x="2085975" y="1479550"/>
+            <a:ext cx="2549525" cy="368300"/>
           </a:xfrm>
           <a:prstGeom prst="rect">
             <a:avLst/>
@@ -4727,7 +4735,11 @@
             <a:pPr algn="ctr"/>
             <a:r>
               <a:rPr lang="zh-CN" altLang="en-US"/>
-              <a:t>教育特性</a:t>
+              <a:t>结束时间：</a:t>
+            </a:r>
+            <a:r>
+              <a:rPr lang="en-US" altLang="zh-CN"/>
+              <a:t>2020-10-10</a:t>
             </a:r>
             <a:endParaRPr lang="zh-CN" altLang="en-US"/>
           </a:p>
@@ -4735,14 +4747,14 @@
       </p:sp>
       <p:sp>
         <p:nvSpPr>
-          <p:cNvPr id="13" name="文本框 12"/>
+          <p:cNvPr id="3" name="文本框 2"/>
           <p:cNvSpPr txBox="1"/>
           <p:nvPr/>
         </p:nvSpPr>
         <p:spPr>
           <a:xfrm>
-            <a:off x="5904865" y="4467225"/>
-            <a:ext cx="2313940" cy="368300"/>
+            <a:off x="2085975" y="1876425"/>
+            <a:ext cx="2549525" cy="368300"/>
           </a:xfrm>
           <a:prstGeom prst="rect">
             <a:avLst/>
@@ -4757,37 +4769,7 @@
             <a:pPr algn="ctr"/>
             <a:r>
               <a:rPr lang="zh-CN" altLang="en-US"/>
-              <a:t>旅游团特性</a:t>
-            </a:r>
-            <a:endParaRPr lang="zh-CN" altLang="en-US"/>
-          </a:p>
-        </p:txBody>
-      </p:sp>
-      <p:sp>
-        <p:nvSpPr>
-          <p:cNvPr id="14" name="文本框 13"/>
-          <p:cNvSpPr txBox="1"/>
-          <p:nvPr/>
-        </p:nvSpPr>
-        <p:spPr>
-          <a:xfrm>
-            <a:off x="6014085" y="5619115"/>
-            <a:ext cx="2313940" cy="368300"/>
-          </a:xfrm>
-          <a:prstGeom prst="rect">
-            <a:avLst/>
-          </a:prstGeom>
-          <a:noFill/>
-        </p:spPr>
-        <p:txBody>
-          <a:bodyPr wrap="square" rtlCol="0">
-            <a:spAutoFit/>
-          </a:bodyPr>
-          <a:p>
-            <a:pPr algn="ctr"/>
-            <a:r>
-              <a:rPr lang="zh-CN" altLang="en-US"/>
-              <a:t>会议特性</a:t>
+              <a:t>地点：昆明</a:t>
             </a:r>
             <a:endParaRPr lang="zh-CN" altLang="en-US"/>
           </a:p>
